--- a/AspNetCore.pptx
+++ b/AspNetCore.pptx
@@ -5,16 +5,18 @@
     <p:sldMasterId id="2147483668" r:id="rId1"/>
   </p:sldMasterIdLst>
   <p:notesMasterIdLst>
-    <p:notesMasterId r:id="rId9"/>
+    <p:notesMasterId r:id="rId11"/>
   </p:notesMasterIdLst>
   <p:sldIdLst>
     <p:sldId id="256" r:id="rId2"/>
     <p:sldId id="257" r:id="rId3"/>
     <p:sldId id="263" r:id="rId4"/>
-    <p:sldId id="264" r:id="rId5"/>
-    <p:sldId id="265" r:id="rId6"/>
-    <p:sldId id="266" r:id="rId7"/>
-    <p:sldId id="267" r:id="rId8"/>
+    <p:sldId id="269" r:id="rId5"/>
+    <p:sldId id="264" r:id="rId6"/>
+    <p:sldId id="265" r:id="rId7"/>
+    <p:sldId id="266" r:id="rId8"/>
+    <p:sldId id="268" r:id="rId9"/>
+    <p:sldId id="267" r:id="rId10"/>
   </p:sldIdLst>
   <p:sldSz cx="12192000" cy="6858000"/>
   <p:notesSz cx="6858000" cy="9144000"/>
@@ -121,9 +123,11 @@
             <p14:sldId id="256"/>
             <p14:sldId id="257"/>
             <p14:sldId id="263"/>
+            <p14:sldId id="269"/>
             <p14:sldId id="264"/>
             <p14:sldId id="265"/>
             <p14:sldId id="266"/>
+            <p14:sldId id="268"/>
             <p14:sldId id="267"/>
           </p14:sldIdLst>
         </p14:section>
@@ -620,6 +624,224 @@
           <a:bodyPr/>
           <a:lstStyle/>
           <a:p>
+            <a:pPr marL="228600" indent="-228600">
+              <a:buAutoNum type="arabicParenR"/>
+            </a:pPr>
+            <a:r>
+              <a:rPr lang="de-DE" dirty="0"/>
+              <a:t>Warum ASP.NET Core 2.0 eingesetzt werden?</a:t>
+            </a:r>
+          </a:p>
+          <a:p>
+            <a:pPr marL="228600" indent="-228600">
+              <a:buAutoNum type="arabicParenR"/>
+            </a:pPr>
+            <a:r>
+              <a:rPr lang="de-DE" dirty="0"/>
+              <a:t> Eine einheitliche Umgebung zum Erstellen der Webbenutzeroberfläche und von Web-APIs </a:t>
+            </a:r>
+          </a:p>
+          <a:p>
+            <a:pPr marL="228600" indent="-228600">
+              <a:buAutoNum type="arabicParenR"/>
+            </a:pPr>
+            <a:r>
+              <a:rPr lang="de-DE" dirty="0"/>
+              <a:t>Integration von </a:t>
+            </a:r>
+            <a:r>
+              <a:rPr lang="de-DE" dirty="0">
+                <a:hlinkClick r:id="rId3"/>
+              </a:rPr>
+              <a:t>modernen clientseitigen Frameworks</a:t>
+            </a:r>
+            <a:r>
+              <a:rPr lang="de-DE" dirty="0"/>
+              <a:t> und Entwicklungsworkflows</a:t>
+            </a:r>
+          </a:p>
+          <a:p>
+            <a:pPr marL="228600" indent="-228600">
+              <a:buAutoNum type="arabicParenR"/>
+            </a:pPr>
+            <a:r>
+              <a:rPr lang="de-DE" dirty="0"/>
+              <a:t> Ein </a:t>
+            </a:r>
+            <a:r>
+              <a:rPr lang="de-DE" dirty="0" err="1"/>
+              <a:t>cloudfähiges</a:t>
+            </a:r>
+            <a:r>
+              <a:rPr lang="de-DE" dirty="0"/>
+              <a:t> auf der Umgebung basierendes </a:t>
+            </a:r>
+            <a:r>
+              <a:rPr lang="de-DE" dirty="0">
+                <a:hlinkClick r:id="rId4"/>
+              </a:rPr>
+              <a:t>Konfigurationssystem</a:t>
+            </a:r>
+            <a:r>
+              <a:rPr lang="de-DE" dirty="0"/>
+              <a:t> Integrierte </a:t>
+            </a:r>
+            <a:r>
+              <a:rPr lang="de-DE" dirty="0">
+                <a:hlinkClick r:id="rId5"/>
+              </a:rPr>
+              <a:t>Abhängigkeitsinjektion</a:t>
+            </a:r>
+            <a:endParaRPr lang="de-DE" dirty="0"/>
+          </a:p>
+          <a:p>
+            <a:pPr marL="228600" indent="-228600">
+              <a:buAutoNum type="arabicParenR"/>
+            </a:pPr>
+            <a:r>
+              <a:rPr lang="de-DE" dirty="0"/>
+              <a:t> Eine schlanke, </a:t>
+            </a:r>
+            <a:r>
+              <a:rPr lang="de-DE" dirty="0">
+                <a:hlinkClick r:id="rId6"/>
+              </a:rPr>
+              <a:t>leistungsstarke</a:t>
+            </a:r>
+            <a:r>
+              <a:rPr lang="de-DE" dirty="0"/>
+              <a:t> und modulare HTTP-Anforderungspipeline Möglichkeit des </a:t>
+            </a:r>
+            <a:r>
+              <a:rPr lang="de-DE" dirty="0" err="1"/>
+              <a:t>Hostens</a:t>
+            </a:r>
+            <a:r>
+              <a:rPr lang="de-DE" dirty="0"/>
+              <a:t> in </a:t>
+            </a:r>
+            <a:r>
+              <a:rPr lang="de-DE" dirty="0">
+                <a:hlinkClick r:id="rId7"/>
+              </a:rPr>
+              <a:t>IIS</a:t>
+            </a:r>
+            <a:r>
+              <a:rPr lang="de-DE" dirty="0"/>
+              <a:t>, </a:t>
+            </a:r>
+            <a:r>
+              <a:rPr lang="de-DE" dirty="0" err="1">
+                <a:hlinkClick r:id="rId8"/>
+              </a:rPr>
+              <a:t>Nginx</a:t>
+            </a:r>
+            <a:r>
+              <a:rPr lang="de-DE" dirty="0"/>
+              <a:t>, </a:t>
+            </a:r>
+            <a:r>
+              <a:rPr lang="de-DE" dirty="0">
+                <a:hlinkClick r:id="rId9"/>
+              </a:rPr>
+              <a:t>Apache</a:t>
+            </a:r>
+            <a:r>
+              <a:rPr lang="de-DE" dirty="0"/>
+              <a:t>, </a:t>
+            </a:r>
+            <a:r>
+              <a:rPr lang="de-DE" dirty="0">
+                <a:hlinkClick r:id="rId10"/>
+              </a:rPr>
+              <a:t>Docker</a:t>
+            </a:r>
+            <a:r>
+              <a:rPr lang="de-DE" dirty="0"/>
+              <a:t> oder eigenständigen </a:t>
+            </a:r>
+            <a:r>
+              <a:rPr lang="de-DE" dirty="0" err="1"/>
+              <a:t>Hostens</a:t>
+            </a:r>
+            <a:r>
+              <a:rPr lang="de-DE" dirty="0"/>
+              <a:t> in Ihrem eigenen Prozess</a:t>
+            </a:r>
+          </a:p>
+          <a:p>
+            <a:pPr marL="228600" indent="-228600">
+              <a:buAutoNum type="arabicParenR"/>
+            </a:pPr>
+            <a:r>
+              <a:rPr lang="de-DE" dirty="0"/>
+              <a:t>Parallele App-Versionsverwaltung bei Festlegung von </a:t>
+            </a:r>
+            <a:r>
+              <a:rPr lang="de-DE" dirty="0">
+                <a:hlinkClick r:id="rId11"/>
+              </a:rPr>
+              <a:t>.NET Core</a:t>
+            </a:r>
+            <a:r>
+              <a:rPr lang="de-DE" dirty="0"/>
+              <a:t> als Zielversion </a:t>
+            </a:r>
+          </a:p>
+          <a:p>
+            <a:pPr marL="228600" indent="-228600">
+              <a:buAutoNum type="arabicParenR"/>
+            </a:pPr>
+            <a:r>
+              <a:rPr lang="de-DE" dirty="0"/>
+              <a:t>Tools zum Vereinfachen einer modernen Webentwicklung </a:t>
+            </a:r>
+          </a:p>
+          <a:p>
+            <a:pPr marL="228600" indent="-228600">
+              <a:buAutoNum type="arabicParenR"/>
+            </a:pPr>
+            <a:r>
+              <a:rPr lang="de-DE" dirty="0"/>
+              <a:t>Fähigkeit zur Erstellung und Ausführung unter Windows, </a:t>
+            </a:r>
+            <a:r>
+              <a:rPr lang="de-DE" dirty="0" err="1"/>
+              <a:t>macOS</a:t>
+            </a:r>
+            <a:r>
+              <a:rPr lang="de-DE" dirty="0"/>
+              <a:t> und </a:t>
+            </a:r>
+            <a:r>
+              <a:rPr lang="de-DE"/>
+              <a:t>Linux </a:t>
+            </a:r>
+          </a:p>
+          <a:p>
+            <a:pPr marL="228600" indent="-228600">
+              <a:buAutoNum type="arabicParenR"/>
+            </a:pPr>
+            <a:r>
+              <a:rPr lang="de-DE"/>
+              <a:t>Open </a:t>
+            </a:r>
+            <a:r>
+              <a:rPr lang="de-DE" dirty="0"/>
+              <a:t>Source und mit </a:t>
+            </a:r>
+            <a:r>
+              <a:rPr lang="de-DE" dirty="0">
+                <a:hlinkClick r:id="rId12"/>
+              </a:rPr>
+              <a:t>Fokus auf der Community</a:t>
+            </a:r>
+            <a:endParaRPr lang="de-DE" dirty="0"/>
+          </a:p>
+          <a:p>
+            <a:pPr marL="228600" indent="-228600">
+              <a:buAutoNum type="arabicParenR"/>
+            </a:pPr>
             <a:endParaRPr lang="de-DE" dirty="0"/>
           </a:p>
         </p:txBody>
@@ -650,7 +872,7 @@
     </p:spTree>
     <p:extLst>
       <p:ext uri="{BB962C8B-B14F-4D97-AF65-F5344CB8AC3E}">
-        <p14:creationId xmlns:p14="http://schemas.microsoft.com/office/powerpoint/2010/main" val="1579356702"/>
+        <p14:creationId xmlns:p14="http://schemas.microsoft.com/office/powerpoint/2010/main" val="427251236"/>
       </p:ext>
     </p:extLst>
   </p:cSld>
@@ -704,28 +926,6 @@
           <a:bodyPr/>
           <a:lstStyle/>
           <a:p>
-            <a:pPr marL="171450" indent="-171450">
-              <a:buFont typeface="Arial" panose="020B0604020202020204" pitchFamily="34" charset="0"/>
-              <a:buChar char="•"/>
-            </a:pPr>
-            <a:r>
-              <a:rPr lang="de-DE" sz="1200" b="0" i="0" kern="1200" dirty="0">
-                <a:solidFill>
-                  <a:schemeClr val="tx1"/>
-                </a:solidFill>
-                <a:effectLst/>
-                <a:latin typeface="+mn-lt"/>
-                <a:ea typeface="+mn-ea"/>
-                <a:cs typeface="+mn-cs"/>
-              </a:rPr>
-              <a:t>Ein Modell ist ein Objekt, das die Daten in der App darstellt</a:t>
-            </a:r>
-          </a:p>
-          <a:p>
-            <a:pPr marL="171450" indent="-171450">
-              <a:buFont typeface="Arial" panose="020B0604020202020204" pitchFamily="34" charset="0"/>
-              <a:buChar char="•"/>
-            </a:pPr>
             <a:endParaRPr lang="de-DE" dirty="0"/>
           </a:p>
         </p:txBody>
@@ -756,7 +956,7 @@
     </p:spTree>
     <p:extLst>
       <p:ext uri="{BB962C8B-B14F-4D97-AF65-F5344CB8AC3E}">
-        <p14:creationId xmlns:p14="http://schemas.microsoft.com/office/powerpoint/2010/main" val="2456762710"/>
+        <p14:creationId xmlns:p14="http://schemas.microsoft.com/office/powerpoint/2010/main" val="1579356702"/>
       </p:ext>
     </p:extLst>
   </p:cSld>
@@ -815,8 +1015,16 @@
               <a:buChar char="•"/>
             </a:pPr>
             <a:r>
-              <a:rPr lang="de-DE" dirty="0"/>
-              <a:t>Warum ein Web-API?</a:t>
+              <a:rPr lang="de-DE" sz="1200" b="0" i="0" kern="1200" dirty="0">
+                <a:solidFill>
+                  <a:schemeClr val="tx1"/>
+                </a:solidFill>
+                <a:effectLst/>
+                <a:latin typeface="+mn-lt"/>
+                <a:ea typeface="+mn-ea"/>
+                <a:cs typeface="+mn-cs"/>
+              </a:rPr>
+              <a:t>Ein Modell ist ein Objekt, das die Daten in der App darstellt</a:t>
             </a:r>
           </a:p>
           <a:p>
@@ -825,29 +1033,44 @@
               <a:buChar char="•"/>
             </a:pPr>
             <a:r>
-              <a:rPr lang="de-DE" dirty="0"/>
-              <a:t>Welche Abhängigkeit erlangt ein Web-API</a:t>
-            </a:r>
+              <a:rPr lang="de-DE" sz="1200" b="0" i="0" kern="1200" dirty="0">
+                <a:solidFill>
+                  <a:schemeClr val="tx1"/>
+                </a:solidFill>
+                <a:effectLst/>
+                <a:latin typeface="+mn-lt"/>
+                <a:ea typeface="+mn-ea"/>
+                <a:cs typeface="+mn-cs"/>
+              </a:rPr>
+              <a:t>Das Anzielen= </a:t>
+            </a:r>
+            <a:r>
+              <a:rPr lang="de-DE" sz="1200" b="0" i="0" kern="1200" dirty="0" err="1">
+                <a:solidFill>
+                  <a:schemeClr val="tx1"/>
+                </a:solidFill>
+                <a:effectLst/>
+                <a:latin typeface="+mn-lt"/>
+                <a:ea typeface="+mn-ea"/>
+                <a:cs typeface="+mn-cs"/>
+              </a:rPr>
+              <a:t>Siblage</a:t>
+            </a:r>
+            <a:endParaRPr lang="de-DE" sz="1200" b="0" i="0" kern="1200" dirty="0">
+              <a:solidFill>
+                <a:schemeClr val="tx1"/>
+              </a:solidFill>
+              <a:effectLst/>
+              <a:latin typeface="+mn-lt"/>
+              <a:ea typeface="+mn-ea"/>
+              <a:cs typeface="+mn-cs"/>
+            </a:endParaRPr>
           </a:p>
           <a:p>
             <a:pPr marL="171450" indent="-171450">
               <a:buFont typeface="Arial" panose="020B0604020202020204" pitchFamily="34" charset="0"/>
               <a:buChar char="•"/>
             </a:pPr>
-            <a:r>
-              <a:rPr lang="de-DE" dirty="0"/>
-              <a:t>Vorteile</a:t>
-            </a:r>
-          </a:p>
-          <a:p>
-            <a:pPr marL="171450" indent="-171450">
-              <a:buFont typeface="Arial" panose="020B0604020202020204" pitchFamily="34" charset="0"/>
-              <a:buChar char="•"/>
-            </a:pPr>
-            <a:r>
-              <a:rPr lang="de-DE" dirty="0" err="1"/>
-              <a:t>Nahteile</a:t>
-            </a:r>
             <a:endParaRPr lang="de-DE" dirty="0"/>
           </a:p>
         </p:txBody>
@@ -878,7 +1101,7 @@
     </p:spTree>
     <p:extLst>
       <p:ext uri="{BB962C8B-B14F-4D97-AF65-F5344CB8AC3E}">
-        <p14:creationId xmlns:p14="http://schemas.microsoft.com/office/powerpoint/2010/main" val="592478448"/>
+        <p14:creationId xmlns:p14="http://schemas.microsoft.com/office/powerpoint/2010/main" val="2456762710"/>
       </p:ext>
     </p:extLst>
   </p:cSld>
@@ -932,6 +1155,271 @@
           <a:bodyPr/>
           <a:lstStyle/>
           <a:p>
+            <a:pPr marL="171450" indent="-171450">
+              <a:buFont typeface="Arial" panose="020B0604020202020204" pitchFamily="34" charset="0"/>
+              <a:buChar char="•"/>
+            </a:pPr>
+            <a:r>
+              <a:rPr lang="de-DE" dirty="0"/>
+              <a:t>Warum ein Web-API?</a:t>
+            </a:r>
+          </a:p>
+          <a:p>
+            <a:pPr marL="171450" indent="-171450">
+              <a:buFont typeface="Arial" panose="020B0604020202020204" pitchFamily="34" charset="0"/>
+              <a:buChar char="•"/>
+            </a:pPr>
+            <a:r>
+              <a:rPr lang="de-DE" dirty="0"/>
+              <a:t>Welche Abhängigkeit erlangt ein Web-API</a:t>
+            </a:r>
+          </a:p>
+          <a:p>
+            <a:pPr marL="171450" indent="-171450">
+              <a:buFont typeface="Arial" panose="020B0604020202020204" pitchFamily="34" charset="0"/>
+              <a:buChar char="•"/>
+            </a:pPr>
+            <a:r>
+              <a:rPr lang="de-DE" dirty="0"/>
+              <a:t>Vorteile</a:t>
+            </a:r>
+          </a:p>
+          <a:p>
+            <a:pPr marL="171450" indent="-171450">
+              <a:buFont typeface="Arial" panose="020B0604020202020204" pitchFamily="34" charset="0"/>
+              <a:buChar char="•"/>
+            </a:pPr>
+            <a:r>
+              <a:rPr lang="de-DE" dirty="0" err="1"/>
+              <a:t>Nahteile</a:t>
+            </a:r>
+            <a:endParaRPr lang="de-DE" dirty="0"/>
+          </a:p>
+        </p:txBody>
+      </p:sp>
+      <p:sp>
+        <p:nvSpPr>
+          <p:cNvPr id="4" name="Foliennummernplatzhalter 3"/>
+          <p:cNvSpPr>
+            <a:spLocks noGrp="1"/>
+          </p:cNvSpPr>
+          <p:nvPr>
+            <p:ph type="sldNum" sz="quarter" idx="10"/>
+          </p:nvPr>
+        </p:nvSpPr>
+        <p:spPr/>
+        <p:txBody>
+          <a:bodyPr/>
+          <a:lstStyle/>
+          <a:p>
+            <a:fld id="{9F0F13B5-A42A-4AB5-B7EE-E7F36F37EF43}" type="slidenum">
+              <a:rPr lang="de-DE" smtClean="0"/>
+              <a:t>7</a:t>
+            </a:fld>
+            <a:endParaRPr lang="de-DE"/>
+          </a:p>
+        </p:txBody>
+      </p:sp>
+    </p:spTree>
+    <p:extLst>
+      <p:ext uri="{BB962C8B-B14F-4D97-AF65-F5344CB8AC3E}">
+        <p14:creationId xmlns:p14="http://schemas.microsoft.com/office/powerpoint/2010/main" val="592478448"/>
+      </p:ext>
+    </p:extLst>
+  </p:cSld>
+  <p:clrMapOvr>
+    <a:masterClrMapping/>
+  </p:clrMapOvr>
+</p:notes>
+</file>
+
+<file path=ppt/notesSlides/notesSlide6.xml><?xml version="1.0" encoding="utf-8"?>
+<p:notes xmlns:a="http://schemas.openxmlformats.org/drawingml/2006/main" xmlns:r="http://schemas.openxmlformats.org/officeDocument/2006/relationships" xmlns:p="http://schemas.openxmlformats.org/presentationml/2006/main">
+  <p:cSld>
+    <p:spTree>
+      <p:nvGrpSpPr>
+        <p:cNvPr id="1" name=""/>
+        <p:cNvGrpSpPr/>
+        <p:nvPr/>
+      </p:nvGrpSpPr>
+      <p:grpSpPr>
+        <a:xfrm>
+          <a:off x="0" y="0"/>
+          <a:ext cx="0" cy="0"/>
+          <a:chOff x="0" y="0"/>
+          <a:chExt cx="0" cy="0"/>
+        </a:xfrm>
+      </p:grpSpPr>
+      <p:sp>
+        <p:nvSpPr>
+          <p:cNvPr id="2" name="Notizenplatzhalter 1">
+            <a:extLst>
+              <a:ext uri="{FF2B5EF4-FFF2-40B4-BE49-F238E27FC236}">
+                <a16:creationId xmlns:a16="http://schemas.microsoft.com/office/drawing/2014/main" id="{83669AD3-6EBA-428F-A693-2264CF864FB4}"/>
+              </a:ext>
+            </a:extLst>
+          </p:cNvPr>
+          <p:cNvSpPr>
+            <a:spLocks noGrp="1"/>
+          </p:cNvSpPr>
+          <p:nvPr>
+            <p:ph type="body" idx="1"/>
+          </p:nvPr>
+        </p:nvSpPr>
+        <p:spPr/>
+        <p:txBody>
+          <a:bodyPr/>
+          <a:lstStyle/>
+          <a:p>
+            <a:pPr marL="228600" marR="0" lvl="0" indent="-228600" algn="l" defTabSz="914400" rtl="0" eaLnBrk="1" fontAlgn="auto" latinLnBrk="0" hangingPunct="1">
+              <a:lnSpc>
+                <a:spcPct val="100000"/>
+              </a:lnSpc>
+              <a:spcBef>
+                <a:spcPts val="0"/>
+              </a:spcBef>
+              <a:spcAft>
+                <a:spcPts val="0"/>
+              </a:spcAft>
+              <a:buClrTx/>
+              <a:buSzTx/>
+              <a:buFont typeface="+mj-lt"/>
+              <a:buAutoNum type="arabicPeriod"/>
+              <a:tabLst/>
+              <a:defRPr/>
+            </a:pPr>
+            <a:r>
+              <a:rPr lang="de-DE" dirty="0"/>
+              <a:t>D</a:t>
+            </a:r>
+          </a:p>
+          <a:p>
+            <a:pPr marL="228600" marR="0" lvl="0" indent="-228600" algn="l" defTabSz="914400" rtl="0" eaLnBrk="1" fontAlgn="auto" latinLnBrk="0" hangingPunct="1">
+              <a:lnSpc>
+                <a:spcPct val="100000"/>
+              </a:lnSpc>
+              <a:spcBef>
+                <a:spcPts val="0"/>
+              </a:spcBef>
+              <a:spcAft>
+                <a:spcPts val="0"/>
+              </a:spcAft>
+              <a:buClrTx/>
+              <a:buSzTx/>
+              <a:buFont typeface="+mj-lt"/>
+              <a:buAutoNum type="arabicPeriod"/>
+              <a:tabLst/>
+              <a:defRPr/>
+            </a:pPr>
+            <a:r>
+              <a:rPr lang="de-DE" dirty="0"/>
+              <a:t>d</a:t>
+            </a:r>
+          </a:p>
+          <a:p>
+            <a:pPr marL="228600" marR="0" lvl="0" indent="-228600" algn="l" defTabSz="914400" rtl="0" eaLnBrk="1" fontAlgn="auto" latinLnBrk="0" hangingPunct="1">
+              <a:lnSpc>
+                <a:spcPct val="100000"/>
+              </a:lnSpc>
+              <a:spcBef>
+                <a:spcPts val="0"/>
+              </a:spcBef>
+              <a:spcAft>
+                <a:spcPts val="0"/>
+              </a:spcAft>
+              <a:buClrTx/>
+              <a:buSzTx/>
+              <a:buFont typeface="+mj-lt"/>
+              <a:buAutoNum type="arabicPeriod"/>
+              <a:tabLst/>
+              <a:defRPr/>
+            </a:pPr>
+            <a:r>
+              <a:rPr lang="de-DE" dirty="0"/>
+              <a:t>TLS-Zertifikat in .NET-Anwendung: </a:t>
+            </a:r>
+            <a:r>
+              <a:rPr lang="de-DE" dirty="0" err="1"/>
+              <a:t>dotnet</a:t>
+            </a:r>
+            <a:r>
+              <a:rPr lang="de-DE" dirty="0"/>
+              <a:t> </a:t>
+            </a:r>
+            <a:r>
+              <a:rPr lang="de-DE" dirty="0" err="1"/>
+              <a:t>dev-certs</a:t>
+            </a:r>
+            <a:r>
+              <a:rPr lang="de-DE" dirty="0"/>
+              <a:t> https –</a:t>
+            </a:r>
+            <a:r>
+              <a:rPr lang="de-DE" dirty="0" err="1"/>
+              <a:t>trust</a:t>
+            </a:r>
+            <a:r>
+              <a:rPr lang="de-DE" dirty="0"/>
+              <a:t> </a:t>
+            </a:r>
+          </a:p>
+          <a:p>
+            <a:endParaRPr lang="de-DE" dirty="0"/>
+          </a:p>
+        </p:txBody>
+      </p:sp>
+    </p:spTree>
+  </p:cSld>
+  <p:clrMapOvr>
+    <a:masterClrMapping/>
+  </p:clrMapOvr>
+</p:notes>
+</file>
+
+<file path=ppt/notesSlides/notesSlide7.xml><?xml version="1.0" encoding="utf-8"?>
+<p:notes xmlns:a="http://schemas.openxmlformats.org/drawingml/2006/main" xmlns:r="http://schemas.openxmlformats.org/officeDocument/2006/relationships" xmlns:p="http://schemas.openxmlformats.org/presentationml/2006/main">
+  <p:cSld>
+    <p:spTree>
+      <p:nvGrpSpPr>
+        <p:cNvPr id="1" name=""/>
+        <p:cNvGrpSpPr/>
+        <p:nvPr/>
+      </p:nvGrpSpPr>
+      <p:grpSpPr>
+        <a:xfrm>
+          <a:off x="0" y="0"/>
+          <a:ext cx="0" cy="0"/>
+          <a:chOff x="0" y="0"/>
+          <a:chExt cx="0" cy="0"/>
+        </a:xfrm>
+      </p:grpSpPr>
+      <p:sp>
+        <p:nvSpPr>
+          <p:cNvPr id="2" name="Folienbildplatzhalter 1"/>
+          <p:cNvSpPr>
+            <a:spLocks noGrp="1" noRot="1" noChangeAspect="1"/>
+          </p:cNvSpPr>
+          <p:nvPr>
+            <p:ph type="sldImg"/>
+          </p:nvPr>
+        </p:nvSpPr>
+        <p:spPr/>
+      </p:sp>
+      <p:sp>
+        <p:nvSpPr>
+          <p:cNvPr id="3" name="Notizenplatzhalter 2"/>
+          <p:cNvSpPr>
+            <a:spLocks noGrp="1"/>
+          </p:cNvSpPr>
+          <p:nvPr>
+            <p:ph type="body" idx="1"/>
+          </p:nvPr>
+        </p:nvSpPr>
+        <p:spPr/>
+        <p:txBody>
+          <a:bodyPr/>
+          <a:lstStyle/>
+          <a:p>
             <a:pPr marL="228600" indent="-228600">
               <a:buFont typeface="+mj-lt"/>
               <a:buAutoNum type="arabicPeriod"/>
@@ -1143,7 +1631,7 @@
           <a:p>
             <a:fld id="{9F0F13B5-A42A-4AB5-B7EE-E7F36F37EF43}" type="slidenum">
               <a:rPr lang="de-DE" smtClean="0"/>
-              <a:t>7</a:t>
+              <a:t>9</a:t>
             </a:fld>
             <a:endParaRPr lang="de-DE"/>
           </a:p>
@@ -8913,6 +9401,13 @@
               <a:rPr lang="de-DE" dirty="0"/>
               <a:t>Web-API</a:t>
             </a:r>
+          </a:p>
+          <a:p>
+            <a:r>
+              <a:rPr lang="de-DE" dirty="0" err="1"/>
+              <a:t>SignalR</a:t>
+            </a:r>
+            <a:endParaRPr lang="de-DE" dirty="0"/>
           </a:p>
           <a:p>
             <a:r>
@@ -9663,6 +10158,109 @@
                       </p:childTnLst>
                     </p:cTn>
                   </p:par>
+                  <p:par>
+                    <p:cTn id="39" fill="hold">
+                      <p:stCondLst>
+                        <p:cond delay="indefinite"/>
+                      </p:stCondLst>
+                      <p:childTnLst>
+                        <p:par>
+                          <p:cTn id="40" fill="hold">
+                            <p:stCondLst>
+                              <p:cond delay="0"/>
+                            </p:stCondLst>
+                            <p:childTnLst>
+                              <p:par>
+                                <p:cTn id="41" presetID="2" presetClass="entr" presetSubtype="4" fill="hold" nodeType="clickEffect">
+                                  <p:stCondLst>
+                                    <p:cond delay="0"/>
+                                  </p:stCondLst>
+                                  <p:childTnLst>
+                                    <p:set>
+                                      <p:cBhvr>
+                                        <p:cTn id="42" dur="1" fill="hold">
+                                          <p:stCondLst>
+                                            <p:cond delay="0"/>
+                                          </p:stCondLst>
+                                        </p:cTn>
+                                        <p:tgtEl>
+                                          <p:spTgt spid="3">
+                                            <p:txEl>
+                                              <p:pRg st="7" end="7"/>
+                                            </p:txEl>
+                                          </p:spTgt>
+                                        </p:tgtEl>
+                                        <p:attrNameLst>
+                                          <p:attrName>style.visibility</p:attrName>
+                                        </p:attrNameLst>
+                                      </p:cBhvr>
+                                      <p:to>
+                                        <p:strVal val="visible"/>
+                                      </p:to>
+                                    </p:set>
+                                    <p:anim calcmode="lin" valueType="num">
+                                      <p:cBhvr additive="base">
+                                        <p:cTn id="43" dur="500" fill="hold"/>
+                                        <p:tgtEl>
+                                          <p:spTgt spid="3">
+                                            <p:txEl>
+                                              <p:pRg st="7" end="7"/>
+                                            </p:txEl>
+                                          </p:spTgt>
+                                        </p:tgtEl>
+                                        <p:attrNameLst>
+                                          <p:attrName>ppt_x</p:attrName>
+                                        </p:attrNameLst>
+                                      </p:cBhvr>
+                                      <p:tavLst>
+                                        <p:tav tm="0">
+                                          <p:val>
+                                            <p:strVal val="#ppt_x"/>
+                                          </p:val>
+                                        </p:tav>
+                                        <p:tav tm="100000">
+                                          <p:val>
+                                            <p:strVal val="#ppt_x"/>
+                                          </p:val>
+                                        </p:tav>
+                                      </p:tavLst>
+                                    </p:anim>
+                                    <p:anim calcmode="lin" valueType="num">
+                                      <p:cBhvr additive="base">
+                                        <p:cTn id="44" dur="500" fill="hold"/>
+                                        <p:tgtEl>
+                                          <p:spTgt spid="3">
+                                            <p:txEl>
+                                              <p:pRg st="7" end="7"/>
+                                            </p:txEl>
+                                          </p:spTgt>
+                                        </p:tgtEl>
+                                        <p:attrNameLst>
+                                          <p:attrName>ppt_y</p:attrName>
+                                        </p:attrNameLst>
+                                      </p:cBhvr>
+                                      <p:tavLst>
+                                        <p:tav tm="0">
+                                          <p:val>
+                                            <p:strVal val="1+#ppt_h/2"/>
+                                          </p:val>
+                                        </p:tav>
+                                        <p:tav tm="100000">
+                                          <p:val>
+                                            <p:strVal val="#ppt_y"/>
+                                          </p:val>
+                                        </p:tav>
+                                      </p:tavLst>
+                                    </p:anim>
+                                  </p:childTnLst>
+                                </p:cTn>
+                              </p:par>
+                            </p:childTnLst>
+                          </p:cTn>
+                        </p:par>
+                      </p:childTnLst>
+                    </p:cTn>
+                  </p:par>
                 </p:childTnLst>
               </p:cTn>
               <p:prevCondLst>
@@ -9772,6 +10370,89 @@
 </file>
 
 <file path=ppt/slides/slide4.xml><?xml version="1.0" encoding="utf-8"?>
+<p:sld xmlns:a="http://schemas.openxmlformats.org/drawingml/2006/main" xmlns:r="http://schemas.openxmlformats.org/officeDocument/2006/relationships" xmlns:p="http://schemas.openxmlformats.org/presentationml/2006/main">
+  <p:cSld>
+    <p:spTree>
+      <p:nvGrpSpPr>
+        <p:cNvPr id="1" name=""/>
+        <p:cNvGrpSpPr/>
+        <p:nvPr/>
+      </p:nvGrpSpPr>
+      <p:grpSpPr>
+        <a:xfrm>
+          <a:off x="0" y="0"/>
+          <a:ext cx="0" cy="0"/>
+          <a:chOff x="0" y="0"/>
+          <a:chExt cx="0" cy="0"/>
+        </a:xfrm>
+      </p:grpSpPr>
+      <p:sp>
+        <p:nvSpPr>
+          <p:cNvPr id="2" name="Titel 1">
+            <a:extLst>
+              <a:ext uri="{FF2B5EF4-FFF2-40B4-BE49-F238E27FC236}">
+                <a16:creationId xmlns:a16="http://schemas.microsoft.com/office/drawing/2014/main" id="{26238925-8E86-4F2A-9E32-4EE2FC102328}"/>
+              </a:ext>
+            </a:extLst>
+          </p:cNvPr>
+          <p:cNvSpPr>
+            <a:spLocks noGrp="1"/>
+          </p:cNvSpPr>
+          <p:nvPr>
+            <p:ph type="title"/>
+          </p:nvPr>
+        </p:nvSpPr>
+        <p:spPr/>
+        <p:txBody>
+          <a:bodyPr/>
+          <a:lstStyle/>
+          <a:p>
+            <a:r>
+              <a:rPr lang="de-DE" dirty="0"/>
+              <a:t>Einleitung: Motivation</a:t>
+            </a:r>
+          </a:p>
+        </p:txBody>
+      </p:sp>
+      <p:sp>
+        <p:nvSpPr>
+          <p:cNvPr id="3" name="Inhaltsplatzhalter 2">
+            <a:extLst>
+              <a:ext uri="{FF2B5EF4-FFF2-40B4-BE49-F238E27FC236}">
+                <a16:creationId xmlns:a16="http://schemas.microsoft.com/office/drawing/2014/main" id="{98B6229F-3EDB-4F3E-AB31-35EE1C42CDD1}"/>
+              </a:ext>
+            </a:extLst>
+          </p:cNvPr>
+          <p:cNvSpPr>
+            <a:spLocks noGrp="1"/>
+          </p:cNvSpPr>
+          <p:nvPr>
+            <p:ph idx="1"/>
+          </p:nvPr>
+        </p:nvSpPr>
+        <p:spPr/>
+        <p:txBody>
+          <a:bodyPr/>
+          <a:lstStyle/>
+          <a:p>
+            <a:endParaRPr lang="de-DE" dirty="0"/>
+          </a:p>
+        </p:txBody>
+      </p:sp>
+    </p:spTree>
+    <p:extLst>
+      <p:ext uri="{BB962C8B-B14F-4D97-AF65-F5344CB8AC3E}">
+        <p14:creationId xmlns:p14="http://schemas.microsoft.com/office/powerpoint/2010/main" val="4156854539"/>
+      </p:ext>
+    </p:extLst>
+  </p:cSld>
+  <p:clrMapOvr>
+    <a:masterClrMapping/>
+  </p:clrMapOvr>
+</p:sld>
+</file>
+
+<file path=ppt/slides/slide5.xml><?xml version="1.0" encoding="utf-8"?>
 <p:sld xmlns:a="http://schemas.openxmlformats.org/drawingml/2006/main" xmlns:r="http://schemas.openxmlformats.org/officeDocument/2006/relationships" xmlns:p="http://schemas.openxmlformats.org/presentationml/2006/main">
   <p:cSld>
     <p:spTree>
@@ -10076,7 +10757,7 @@
 </p:sld>
 </file>
 
-<file path=ppt/slides/slide5.xml><?xml version="1.0" encoding="utf-8"?>
+<file path=ppt/slides/slide6.xml><?xml version="1.0" encoding="utf-8"?>
 <p:sld xmlns:a="http://schemas.openxmlformats.org/drawingml/2006/main" xmlns:r="http://schemas.openxmlformats.org/officeDocument/2006/relationships" xmlns:p="http://schemas.openxmlformats.org/presentationml/2006/main">
   <p:cSld>
     <p:spTree>
@@ -10268,6 +10949,41 @@
               <a:t>Workloads</a:t>
             </a:r>
             <a:endParaRPr lang="de-DE" b="1" dirty="0"/>
+          </a:p>
+        </p:txBody>
+      </p:sp>
+      <p:sp>
+        <p:nvSpPr>
+          <p:cNvPr id="3" name="Textfeld 2">
+            <a:extLst>
+              <a:ext uri="{FF2B5EF4-FFF2-40B4-BE49-F238E27FC236}">
+                <a16:creationId xmlns:a16="http://schemas.microsoft.com/office/drawing/2014/main" id="{C3D6D037-A57B-4B4F-BF16-FC63492932DE}"/>
+              </a:ext>
+            </a:extLst>
+          </p:cNvPr>
+          <p:cNvSpPr txBox="1"/>
+          <p:nvPr/>
+        </p:nvSpPr>
+        <p:spPr>
+          <a:xfrm>
+            <a:off x="7945395" y="2792627"/>
+            <a:ext cx="1989265" cy="369332"/>
+          </a:xfrm>
+          <a:prstGeom prst="rect">
+            <a:avLst/>
+          </a:prstGeom>
+          <a:noFill/>
+        </p:spPr>
+        <p:txBody>
+          <a:bodyPr wrap="square" rtlCol="0">
+            <a:spAutoFit/>
+          </a:bodyPr>
+          <a:lstStyle/>
+          <a:p>
+            <a:r>
+              <a:rPr lang="de-DE" b="1" dirty="0"/>
+              <a:t>Das Anzielen</a:t>
+            </a:r>
           </a:p>
         </p:txBody>
       </p:sp>
@@ -10665,6 +11381,97 @@
                       </p:childTnLst>
                     </p:cTn>
                   </p:par>
+                  <p:par>
+                    <p:cTn id="27" fill="hold">
+                      <p:stCondLst>
+                        <p:cond delay="indefinite"/>
+                      </p:stCondLst>
+                      <p:childTnLst>
+                        <p:par>
+                          <p:cTn id="28" fill="hold">
+                            <p:stCondLst>
+                              <p:cond delay="0"/>
+                            </p:stCondLst>
+                            <p:childTnLst>
+                              <p:par>
+                                <p:cTn id="29" presetID="2" presetClass="entr" presetSubtype="4" fill="hold" grpId="0" nodeType="clickEffect">
+                                  <p:stCondLst>
+                                    <p:cond delay="0"/>
+                                  </p:stCondLst>
+                                  <p:childTnLst>
+                                    <p:set>
+                                      <p:cBhvr>
+                                        <p:cTn id="30" dur="1" fill="hold">
+                                          <p:stCondLst>
+                                            <p:cond delay="0"/>
+                                          </p:stCondLst>
+                                        </p:cTn>
+                                        <p:tgtEl>
+                                          <p:spTgt spid="3"/>
+                                        </p:tgtEl>
+                                        <p:attrNameLst>
+                                          <p:attrName>style.visibility</p:attrName>
+                                        </p:attrNameLst>
+                                      </p:cBhvr>
+                                      <p:to>
+                                        <p:strVal val="visible"/>
+                                      </p:to>
+                                    </p:set>
+                                    <p:anim calcmode="lin" valueType="num">
+                                      <p:cBhvr additive="base">
+                                        <p:cTn id="31" dur="500" fill="hold"/>
+                                        <p:tgtEl>
+                                          <p:spTgt spid="3"/>
+                                        </p:tgtEl>
+                                        <p:attrNameLst>
+                                          <p:attrName>ppt_x</p:attrName>
+                                        </p:attrNameLst>
+                                      </p:cBhvr>
+                                      <p:tavLst>
+                                        <p:tav tm="0">
+                                          <p:val>
+                                            <p:strVal val="#ppt_x"/>
+                                          </p:val>
+                                        </p:tav>
+                                        <p:tav tm="100000">
+                                          <p:val>
+                                            <p:strVal val="#ppt_x"/>
+                                          </p:val>
+                                        </p:tav>
+                                      </p:tavLst>
+                                    </p:anim>
+                                    <p:anim calcmode="lin" valueType="num">
+                                      <p:cBhvr additive="base">
+                                        <p:cTn id="32" dur="500" fill="hold"/>
+                                        <p:tgtEl>
+                                          <p:spTgt spid="3"/>
+                                        </p:tgtEl>
+                                        <p:attrNameLst>
+                                          <p:attrName>ppt_y</p:attrName>
+                                        </p:attrNameLst>
+                                      </p:cBhvr>
+                                      <p:tavLst>
+                                        <p:tav tm="0">
+                                          <p:val>
+                                            <p:strVal val="1+#ppt_h/2"/>
+                                          </p:val>
+                                        </p:tav>
+                                        <p:tav tm="100000">
+                                          <p:val>
+                                            <p:strVal val="#ppt_y"/>
+                                          </p:val>
+                                        </p:tav>
+                                      </p:tavLst>
+                                    </p:anim>
+                                  </p:childTnLst>
+                                </p:cTn>
+                              </p:par>
+                            </p:childTnLst>
+                          </p:cTn>
+                        </p:par>
+                      </p:childTnLst>
+                    </p:cTn>
+                  </p:par>
                 </p:childTnLst>
               </p:cTn>
               <p:prevCondLst>
@@ -10690,12 +11497,13 @@
       <p:bldP spid="5" grpId="0"/>
       <p:bldP spid="6" grpId="0"/>
       <p:bldP spid="7" grpId="0"/>
+      <p:bldP spid="3" grpId="0"/>
     </p:bldLst>
   </p:timing>
 </p:sld>
 </file>
 
-<file path=ppt/slides/slide6.xml><?xml version="1.0" encoding="utf-8"?>
+<file path=ppt/slides/slide7.xml><?xml version="1.0" encoding="utf-8"?>
 <p:sld xmlns:a="http://schemas.openxmlformats.org/drawingml/2006/main" xmlns:r="http://schemas.openxmlformats.org/officeDocument/2006/relationships" xmlns:p="http://schemas.openxmlformats.org/presentationml/2006/main">
   <p:cSld>
     <p:spTree>
@@ -10778,7 +11586,1303 @@
 </p:sld>
 </file>
 
-<file path=ppt/slides/slide7.xml><?xml version="1.0" encoding="utf-8"?>
+<file path=ppt/slides/slide8.xml><?xml version="1.0" encoding="utf-8"?>
+<p:sld xmlns:a="http://schemas.openxmlformats.org/drawingml/2006/main" xmlns:r="http://schemas.openxmlformats.org/officeDocument/2006/relationships" xmlns:p="http://schemas.openxmlformats.org/presentationml/2006/main">
+  <p:cSld>
+    <p:spTree>
+      <p:nvGrpSpPr>
+        <p:cNvPr id="1" name=""/>
+        <p:cNvGrpSpPr/>
+        <p:nvPr/>
+      </p:nvGrpSpPr>
+      <p:grpSpPr>
+        <a:xfrm>
+          <a:off x="0" y="0"/>
+          <a:ext cx="0" cy="0"/>
+          <a:chOff x="0" y="0"/>
+          <a:chExt cx="0" cy="0"/>
+        </a:xfrm>
+      </p:grpSpPr>
+      <p:sp>
+        <p:nvSpPr>
+          <p:cNvPr id="2" name="Titel 1">
+            <a:extLst>
+              <a:ext uri="{FF2B5EF4-FFF2-40B4-BE49-F238E27FC236}">
+                <a16:creationId xmlns:a16="http://schemas.microsoft.com/office/drawing/2014/main" id="{E878CB49-3603-4189-BE88-94C86DA2A5EB}"/>
+              </a:ext>
+            </a:extLst>
+          </p:cNvPr>
+          <p:cNvSpPr>
+            <a:spLocks noGrp="1"/>
+          </p:cNvSpPr>
+          <p:nvPr>
+            <p:ph type="title"/>
+          </p:nvPr>
+        </p:nvSpPr>
+        <p:spPr/>
+        <p:txBody>
+          <a:bodyPr/>
+          <a:lstStyle/>
+          <a:p>
+            <a:r>
+              <a:rPr lang="de-DE" dirty="0"/>
+              <a:t>Web-API: TLS-Zertifikat</a:t>
+            </a:r>
+          </a:p>
+        </p:txBody>
+      </p:sp>
+      <p:sp>
+        <p:nvSpPr>
+          <p:cNvPr id="3" name="Inhaltsplatzhalter 2">
+            <a:extLst>
+              <a:ext uri="{FF2B5EF4-FFF2-40B4-BE49-F238E27FC236}">
+                <a16:creationId xmlns:a16="http://schemas.microsoft.com/office/drawing/2014/main" id="{2AC9F150-726E-4336-A241-03E5B0F1FACB}"/>
+              </a:ext>
+            </a:extLst>
+          </p:cNvPr>
+          <p:cNvSpPr>
+            <a:spLocks noGrp="1"/>
+          </p:cNvSpPr>
+          <p:nvPr>
+            <p:ph idx="1"/>
+          </p:nvPr>
+        </p:nvSpPr>
+        <p:spPr/>
+        <p:txBody>
+          <a:bodyPr>
+            <a:normAutofit fontScale="92500" lnSpcReduction="10000"/>
+          </a:bodyPr>
+          <a:lstStyle/>
+          <a:p>
+            <a:r>
+              <a:rPr lang="de-DE" dirty="0"/>
+              <a:t>TLS-Zertifikat?</a:t>
+            </a:r>
+          </a:p>
+          <a:p>
+            <a:r>
+              <a:rPr lang="de-DE" dirty="0"/>
+              <a:t>3 Hauptaufgaben von TLS:</a:t>
+            </a:r>
+          </a:p>
+          <a:p>
+            <a:pPr lvl="1"/>
+            <a:r>
+              <a:rPr lang="de-DE" dirty="0"/>
+              <a:t>Authentifizierung</a:t>
+            </a:r>
+          </a:p>
+          <a:p>
+            <a:pPr lvl="1"/>
+            <a:r>
+              <a:rPr lang="de-DE" dirty="0"/>
+              <a:t>Integrität</a:t>
+            </a:r>
+          </a:p>
+          <a:p>
+            <a:pPr lvl="1"/>
+            <a:r>
+              <a:rPr lang="de-DE" dirty="0"/>
+              <a:t>Vertraulichkeit</a:t>
+            </a:r>
+          </a:p>
+          <a:p>
+            <a:r>
+              <a:rPr lang="de-DE" dirty="0"/>
+              <a:t>TLS-Zertifikat in .NET-Anwendung</a:t>
+            </a:r>
+          </a:p>
+          <a:p>
+            <a:pPr lvl="1"/>
+            <a:r>
+              <a:rPr lang="de-DE" dirty="0" err="1"/>
+              <a:t>dotnet</a:t>
+            </a:r>
+            <a:r>
+              <a:rPr lang="de-DE" dirty="0"/>
+              <a:t> </a:t>
+            </a:r>
+            <a:r>
+              <a:rPr lang="de-DE" dirty="0" err="1"/>
+              <a:t>dev-certs</a:t>
+            </a:r>
+            <a:r>
+              <a:rPr lang="de-DE" dirty="0"/>
+              <a:t> https --trust</a:t>
+            </a:r>
+          </a:p>
+          <a:p>
+            <a:pPr lvl="1"/>
+            <a:r>
+              <a:rPr lang="de-DE" dirty="0" err="1"/>
+              <a:t>dotnet</a:t>
+            </a:r>
+            <a:r>
+              <a:rPr lang="de-DE" dirty="0"/>
+              <a:t> </a:t>
+            </a:r>
+            <a:r>
+              <a:rPr lang="de-DE" dirty="0" err="1"/>
+              <a:t>dev-certs</a:t>
+            </a:r>
+            <a:r>
+              <a:rPr lang="de-DE" dirty="0"/>
+              <a:t> https --</a:t>
+            </a:r>
+            <a:r>
+              <a:rPr lang="de-DE" dirty="0" err="1"/>
+              <a:t>help</a:t>
+            </a:r>
+            <a:endParaRPr lang="de-DE" dirty="0"/>
+          </a:p>
+          <a:p>
+            <a:r>
+              <a:rPr lang="de-DE" b="1" dirty="0"/>
+              <a:t>Anzeigen von Zertifikaten</a:t>
+            </a:r>
+          </a:p>
+          <a:p>
+            <a:pPr lvl="1"/>
+            <a:r>
+              <a:rPr lang="de-DE" dirty="0"/>
+              <a:t>Mit mmc</a:t>
+            </a:r>
+          </a:p>
+          <a:p>
+            <a:pPr lvl="1"/>
+            <a:r>
+              <a:rPr lang="de-DE" dirty="0"/>
+              <a:t>Mit Browser</a:t>
+            </a:r>
+          </a:p>
+          <a:p>
+            <a:pPr lvl="1"/>
+            <a:endParaRPr lang="de-DE" dirty="0"/>
+          </a:p>
+          <a:p>
+            <a:pPr lvl="1"/>
+            <a:endParaRPr lang="de-DE" dirty="0"/>
+          </a:p>
+        </p:txBody>
+      </p:sp>
+      <p:pic>
+        <p:nvPicPr>
+          <p:cNvPr id="6" name="Grafik 5">
+            <a:extLst>
+              <a:ext uri="{FF2B5EF4-FFF2-40B4-BE49-F238E27FC236}">
+                <a16:creationId xmlns:a16="http://schemas.microsoft.com/office/drawing/2014/main" id="{F3FE4FEC-50D8-420D-A9DA-7E2672D79695}"/>
+              </a:ext>
+            </a:extLst>
+          </p:cNvPr>
+          <p:cNvPicPr>
+            <a:picLocks noChangeAspect="1"/>
+          </p:cNvPicPr>
+          <p:nvPr/>
+        </p:nvPicPr>
+        <p:blipFill>
+          <a:blip r:embed="rId3"/>
+          <a:stretch>
+            <a:fillRect/>
+          </a:stretch>
+        </p:blipFill>
+        <p:spPr>
+          <a:xfrm>
+            <a:off x="6658511" y="1302851"/>
+            <a:ext cx="5176430" cy="5048522"/>
+          </a:xfrm>
+          <a:prstGeom prst="rect">
+            <a:avLst/>
+          </a:prstGeom>
+        </p:spPr>
+        <p:style>
+          <a:lnRef idx="3">
+            <a:schemeClr val="lt1"/>
+          </a:lnRef>
+          <a:fillRef idx="1">
+            <a:schemeClr val="accent1"/>
+          </a:fillRef>
+          <a:effectRef idx="1">
+            <a:schemeClr val="accent1"/>
+          </a:effectRef>
+          <a:fontRef idx="minor">
+            <a:schemeClr val="lt1"/>
+          </a:fontRef>
+        </p:style>
+      </p:pic>
+    </p:spTree>
+    <p:extLst>
+      <p:ext uri="{BB962C8B-B14F-4D97-AF65-F5344CB8AC3E}">
+        <p14:creationId xmlns:p14="http://schemas.microsoft.com/office/powerpoint/2010/main" val="1652656711"/>
+      </p:ext>
+    </p:extLst>
+  </p:cSld>
+  <p:clrMapOvr>
+    <a:masterClrMapping/>
+  </p:clrMapOvr>
+  <p:timing>
+    <p:tnLst>
+      <p:par>
+        <p:cTn id="1" dur="indefinite" restart="never" nodeType="tmRoot">
+          <p:childTnLst>
+            <p:seq concurrent="1" nextAc="seek">
+              <p:cTn id="2" dur="indefinite" nodeType="mainSeq">
+                <p:childTnLst>
+                  <p:par>
+                    <p:cTn id="3" fill="hold">
+                      <p:stCondLst>
+                        <p:cond delay="indefinite"/>
+                      </p:stCondLst>
+                      <p:childTnLst>
+                        <p:par>
+                          <p:cTn id="4" fill="hold">
+                            <p:stCondLst>
+                              <p:cond delay="0"/>
+                            </p:stCondLst>
+                            <p:childTnLst>
+                              <p:par>
+                                <p:cTn id="5" presetID="2" presetClass="entr" presetSubtype="4" fill="hold" nodeType="clickEffect">
+                                  <p:stCondLst>
+                                    <p:cond delay="0"/>
+                                  </p:stCondLst>
+                                  <p:childTnLst>
+                                    <p:set>
+                                      <p:cBhvr>
+                                        <p:cTn id="6" dur="1" fill="hold">
+                                          <p:stCondLst>
+                                            <p:cond delay="0"/>
+                                          </p:stCondLst>
+                                        </p:cTn>
+                                        <p:tgtEl>
+                                          <p:spTgt spid="3">
+                                            <p:txEl>
+                                              <p:pRg st="1" end="1"/>
+                                            </p:txEl>
+                                          </p:spTgt>
+                                        </p:tgtEl>
+                                        <p:attrNameLst>
+                                          <p:attrName>style.visibility</p:attrName>
+                                        </p:attrNameLst>
+                                      </p:cBhvr>
+                                      <p:to>
+                                        <p:strVal val="visible"/>
+                                      </p:to>
+                                    </p:set>
+                                    <p:anim calcmode="lin" valueType="num">
+                                      <p:cBhvr additive="base">
+                                        <p:cTn id="7" dur="500" fill="hold"/>
+                                        <p:tgtEl>
+                                          <p:spTgt spid="3">
+                                            <p:txEl>
+                                              <p:pRg st="1" end="1"/>
+                                            </p:txEl>
+                                          </p:spTgt>
+                                        </p:tgtEl>
+                                        <p:attrNameLst>
+                                          <p:attrName>ppt_x</p:attrName>
+                                        </p:attrNameLst>
+                                      </p:cBhvr>
+                                      <p:tavLst>
+                                        <p:tav tm="0">
+                                          <p:val>
+                                            <p:strVal val="#ppt_x"/>
+                                          </p:val>
+                                        </p:tav>
+                                        <p:tav tm="100000">
+                                          <p:val>
+                                            <p:strVal val="#ppt_x"/>
+                                          </p:val>
+                                        </p:tav>
+                                      </p:tavLst>
+                                    </p:anim>
+                                    <p:anim calcmode="lin" valueType="num">
+                                      <p:cBhvr additive="base">
+                                        <p:cTn id="8" dur="500" fill="hold"/>
+                                        <p:tgtEl>
+                                          <p:spTgt spid="3">
+                                            <p:txEl>
+                                              <p:pRg st="1" end="1"/>
+                                            </p:txEl>
+                                          </p:spTgt>
+                                        </p:tgtEl>
+                                        <p:attrNameLst>
+                                          <p:attrName>ppt_y</p:attrName>
+                                        </p:attrNameLst>
+                                      </p:cBhvr>
+                                      <p:tavLst>
+                                        <p:tav tm="0">
+                                          <p:val>
+                                            <p:strVal val="1+#ppt_h/2"/>
+                                          </p:val>
+                                        </p:tav>
+                                        <p:tav tm="100000">
+                                          <p:val>
+                                            <p:strVal val="#ppt_y"/>
+                                          </p:val>
+                                        </p:tav>
+                                      </p:tavLst>
+                                    </p:anim>
+                                  </p:childTnLst>
+                                </p:cTn>
+                              </p:par>
+                            </p:childTnLst>
+                          </p:cTn>
+                        </p:par>
+                      </p:childTnLst>
+                    </p:cTn>
+                  </p:par>
+                  <p:par>
+                    <p:cTn id="9" fill="hold">
+                      <p:stCondLst>
+                        <p:cond delay="indefinite"/>
+                      </p:stCondLst>
+                      <p:childTnLst>
+                        <p:par>
+                          <p:cTn id="10" fill="hold">
+                            <p:stCondLst>
+                              <p:cond delay="0"/>
+                            </p:stCondLst>
+                            <p:childTnLst>
+                              <p:par>
+                                <p:cTn id="11" presetID="2" presetClass="entr" presetSubtype="4" fill="hold" nodeType="clickEffect">
+                                  <p:stCondLst>
+                                    <p:cond delay="0"/>
+                                  </p:stCondLst>
+                                  <p:childTnLst>
+                                    <p:set>
+                                      <p:cBhvr>
+                                        <p:cTn id="12" dur="1" fill="hold">
+                                          <p:stCondLst>
+                                            <p:cond delay="0"/>
+                                          </p:stCondLst>
+                                        </p:cTn>
+                                        <p:tgtEl>
+                                          <p:spTgt spid="3">
+                                            <p:txEl>
+                                              <p:pRg st="2" end="2"/>
+                                            </p:txEl>
+                                          </p:spTgt>
+                                        </p:tgtEl>
+                                        <p:attrNameLst>
+                                          <p:attrName>style.visibility</p:attrName>
+                                        </p:attrNameLst>
+                                      </p:cBhvr>
+                                      <p:to>
+                                        <p:strVal val="visible"/>
+                                      </p:to>
+                                    </p:set>
+                                    <p:anim calcmode="lin" valueType="num">
+                                      <p:cBhvr additive="base">
+                                        <p:cTn id="13" dur="500" fill="hold"/>
+                                        <p:tgtEl>
+                                          <p:spTgt spid="3">
+                                            <p:txEl>
+                                              <p:pRg st="2" end="2"/>
+                                            </p:txEl>
+                                          </p:spTgt>
+                                        </p:tgtEl>
+                                        <p:attrNameLst>
+                                          <p:attrName>ppt_x</p:attrName>
+                                        </p:attrNameLst>
+                                      </p:cBhvr>
+                                      <p:tavLst>
+                                        <p:tav tm="0">
+                                          <p:val>
+                                            <p:strVal val="#ppt_x"/>
+                                          </p:val>
+                                        </p:tav>
+                                        <p:tav tm="100000">
+                                          <p:val>
+                                            <p:strVal val="#ppt_x"/>
+                                          </p:val>
+                                        </p:tav>
+                                      </p:tavLst>
+                                    </p:anim>
+                                    <p:anim calcmode="lin" valueType="num">
+                                      <p:cBhvr additive="base">
+                                        <p:cTn id="14" dur="500" fill="hold"/>
+                                        <p:tgtEl>
+                                          <p:spTgt spid="3">
+                                            <p:txEl>
+                                              <p:pRg st="2" end="2"/>
+                                            </p:txEl>
+                                          </p:spTgt>
+                                        </p:tgtEl>
+                                        <p:attrNameLst>
+                                          <p:attrName>ppt_y</p:attrName>
+                                        </p:attrNameLst>
+                                      </p:cBhvr>
+                                      <p:tavLst>
+                                        <p:tav tm="0">
+                                          <p:val>
+                                            <p:strVal val="1+#ppt_h/2"/>
+                                          </p:val>
+                                        </p:tav>
+                                        <p:tav tm="100000">
+                                          <p:val>
+                                            <p:strVal val="#ppt_y"/>
+                                          </p:val>
+                                        </p:tav>
+                                      </p:tavLst>
+                                    </p:anim>
+                                  </p:childTnLst>
+                                </p:cTn>
+                              </p:par>
+                            </p:childTnLst>
+                          </p:cTn>
+                        </p:par>
+                      </p:childTnLst>
+                    </p:cTn>
+                  </p:par>
+                  <p:par>
+                    <p:cTn id="15" fill="hold">
+                      <p:stCondLst>
+                        <p:cond delay="indefinite"/>
+                      </p:stCondLst>
+                      <p:childTnLst>
+                        <p:par>
+                          <p:cTn id="16" fill="hold">
+                            <p:stCondLst>
+                              <p:cond delay="0"/>
+                            </p:stCondLst>
+                            <p:childTnLst>
+                              <p:par>
+                                <p:cTn id="17" presetID="2" presetClass="entr" presetSubtype="4" fill="hold" nodeType="clickEffect">
+                                  <p:stCondLst>
+                                    <p:cond delay="0"/>
+                                  </p:stCondLst>
+                                  <p:childTnLst>
+                                    <p:set>
+                                      <p:cBhvr>
+                                        <p:cTn id="18" dur="1" fill="hold">
+                                          <p:stCondLst>
+                                            <p:cond delay="0"/>
+                                          </p:stCondLst>
+                                        </p:cTn>
+                                        <p:tgtEl>
+                                          <p:spTgt spid="3">
+                                            <p:txEl>
+                                              <p:pRg st="3" end="3"/>
+                                            </p:txEl>
+                                          </p:spTgt>
+                                        </p:tgtEl>
+                                        <p:attrNameLst>
+                                          <p:attrName>style.visibility</p:attrName>
+                                        </p:attrNameLst>
+                                      </p:cBhvr>
+                                      <p:to>
+                                        <p:strVal val="visible"/>
+                                      </p:to>
+                                    </p:set>
+                                    <p:anim calcmode="lin" valueType="num">
+                                      <p:cBhvr additive="base">
+                                        <p:cTn id="19" dur="500" fill="hold"/>
+                                        <p:tgtEl>
+                                          <p:spTgt spid="3">
+                                            <p:txEl>
+                                              <p:pRg st="3" end="3"/>
+                                            </p:txEl>
+                                          </p:spTgt>
+                                        </p:tgtEl>
+                                        <p:attrNameLst>
+                                          <p:attrName>ppt_x</p:attrName>
+                                        </p:attrNameLst>
+                                      </p:cBhvr>
+                                      <p:tavLst>
+                                        <p:tav tm="0">
+                                          <p:val>
+                                            <p:strVal val="#ppt_x"/>
+                                          </p:val>
+                                        </p:tav>
+                                        <p:tav tm="100000">
+                                          <p:val>
+                                            <p:strVal val="#ppt_x"/>
+                                          </p:val>
+                                        </p:tav>
+                                      </p:tavLst>
+                                    </p:anim>
+                                    <p:anim calcmode="lin" valueType="num">
+                                      <p:cBhvr additive="base">
+                                        <p:cTn id="20" dur="500" fill="hold"/>
+                                        <p:tgtEl>
+                                          <p:spTgt spid="3">
+                                            <p:txEl>
+                                              <p:pRg st="3" end="3"/>
+                                            </p:txEl>
+                                          </p:spTgt>
+                                        </p:tgtEl>
+                                        <p:attrNameLst>
+                                          <p:attrName>ppt_y</p:attrName>
+                                        </p:attrNameLst>
+                                      </p:cBhvr>
+                                      <p:tavLst>
+                                        <p:tav tm="0">
+                                          <p:val>
+                                            <p:strVal val="1+#ppt_h/2"/>
+                                          </p:val>
+                                        </p:tav>
+                                        <p:tav tm="100000">
+                                          <p:val>
+                                            <p:strVal val="#ppt_y"/>
+                                          </p:val>
+                                        </p:tav>
+                                      </p:tavLst>
+                                    </p:anim>
+                                  </p:childTnLst>
+                                </p:cTn>
+                              </p:par>
+                            </p:childTnLst>
+                          </p:cTn>
+                        </p:par>
+                      </p:childTnLst>
+                    </p:cTn>
+                  </p:par>
+                  <p:par>
+                    <p:cTn id="21" fill="hold">
+                      <p:stCondLst>
+                        <p:cond delay="indefinite"/>
+                      </p:stCondLst>
+                      <p:childTnLst>
+                        <p:par>
+                          <p:cTn id="22" fill="hold">
+                            <p:stCondLst>
+                              <p:cond delay="0"/>
+                            </p:stCondLst>
+                            <p:childTnLst>
+                              <p:par>
+                                <p:cTn id="23" presetID="2" presetClass="entr" presetSubtype="4" fill="hold" nodeType="clickEffect">
+                                  <p:stCondLst>
+                                    <p:cond delay="0"/>
+                                  </p:stCondLst>
+                                  <p:childTnLst>
+                                    <p:set>
+                                      <p:cBhvr>
+                                        <p:cTn id="24" dur="1" fill="hold">
+                                          <p:stCondLst>
+                                            <p:cond delay="0"/>
+                                          </p:stCondLst>
+                                        </p:cTn>
+                                        <p:tgtEl>
+                                          <p:spTgt spid="3">
+                                            <p:txEl>
+                                              <p:pRg st="4" end="4"/>
+                                            </p:txEl>
+                                          </p:spTgt>
+                                        </p:tgtEl>
+                                        <p:attrNameLst>
+                                          <p:attrName>style.visibility</p:attrName>
+                                        </p:attrNameLst>
+                                      </p:cBhvr>
+                                      <p:to>
+                                        <p:strVal val="visible"/>
+                                      </p:to>
+                                    </p:set>
+                                    <p:anim calcmode="lin" valueType="num">
+                                      <p:cBhvr additive="base">
+                                        <p:cTn id="25" dur="500" fill="hold"/>
+                                        <p:tgtEl>
+                                          <p:spTgt spid="3">
+                                            <p:txEl>
+                                              <p:pRg st="4" end="4"/>
+                                            </p:txEl>
+                                          </p:spTgt>
+                                        </p:tgtEl>
+                                        <p:attrNameLst>
+                                          <p:attrName>ppt_x</p:attrName>
+                                        </p:attrNameLst>
+                                      </p:cBhvr>
+                                      <p:tavLst>
+                                        <p:tav tm="0">
+                                          <p:val>
+                                            <p:strVal val="#ppt_x"/>
+                                          </p:val>
+                                        </p:tav>
+                                        <p:tav tm="100000">
+                                          <p:val>
+                                            <p:strVal val="#ppt_x"/>
+                                          </p:val>
+                                        </p:tav>
+                                      </p:tavLst>
+                                    </p:anim>
+                                    <p:anim calcmode="lin" valueType="num">
+                                      <p:cBhvr additive="base">
+                                        <p:cTn id="26" dur="500" fill="hold"/>
+                                        <p:tgtEl>
+                                          <p:spTgt spid="3">
+                                            <p:txEl>
+                                              <p:pRg st="4" end="4"/>
+                                            </p:txEl>
+                                          </p:spTgt>
+                                        </p:tgtEl>
+                                        <p:attrNameLst>
+                                          <p:attrName>ppt_y</p:attrName>
+                                        </p:attrNameLst>
+                                      </p:cBhvr>
+                                      <p:tavLst>
+                                        <p:tav tm="0">
+                                          <p:val>
+                                            <p:strVal val="1+#ppt_h/2"/>
+                                          </p:val>
+                                        </p:tav>
+                                        <p:tav tm="100000">
+                                          <p:val>
+                                            <p:strVal val="#ppt_y"/>
+                                          </p:val>
+                                        </p:tav>
+                                      </p:tavLst>
+                                    </p:anim>
+                                  </p:childTnLst>
+                                </p:cTn>
+                              </p:par>
+                            </p:childTnLst>
+                          </p:cTn>
+                        </p:par>
+                      </p:childTnLst>
+                    </p:cTn>
+                  </p:par>
+                  <p:par>
+                    <p:cTn id="27" fill="hold">
+                      <p:stCondLst>
+                        <p:cond delay="indefinite"/>
+                      </p:stCondLst>
+                      <p:childTnLst>
+                        <p:par>
+                          <p:cTn id="28" fill="hold">
+                            <p:stCondLst>
+                              <p:cond delay="0"/>
+                            </p:stCondLst>
+                            <p:childTnLst>
+                              <p:par>
+                                <p:cTn id="29" presetID="2" presetClass="entr" presetSubtype="4" fill="hold" nodeType="clickEffect">
+                                  <p:stCondLst>
+                                    <p:cond delay="0"/>
+                                  </p:stCondLst>
+                                  <p:childTnLst>
+                                    <p:set>
+                                      <p:cBhvr>
+                                        <p:cTn id="30" dur="1" fill="hold">
+                                          <p:stCondLst>
+                                            <p:cond delay="0"/>
+                                          </p:stCondLst>
+                                        </p:cTn>
+                                        <p:tgtEl>
+                                          <p:spTgt spid="3">
+                                            <p:txEl>
+                                              <p:pRg st="5" end="5"/>
+                                            </p:txEl>
+                                          </p:spTgt>
+                                        </p:tgtEl>
+                                        <p:attrNameLst>
+                                          <p:attrName>style.visibility</p:attrName>
+                                        </p:attrNameLst>
+                                      </p:cBhvr>
+                                      <p:to>
+                                        <p:strVal val="visible"/>
+                                      </p:to>
+                                    </p:set>
+                                    <p:anim calcmode="lin" valueType="num">
+                                      <p:cBhvr additive="base">
+                                        <p:cTn id="31" dur="500" fill="hold"/>
+                                        <p:tgtEl>
+                                          <p:spTgt spid="3">
+                                            <p:txEl>
+                                              <p:pRg st="5" end="5"/>
+                                            </p:txEl>
+                                          </p:spTgt>
+                                        </p:tgtEl>
+                                        <p:attrNameLst>
+                                          <p:attrName>ppt_x</p:attrName>
+                                        </p:attrNameLst>
+                                      </p:cBhvr>
+                                      <p:tavLst>
+                                        <p:tav tm="0">
+                                          <p:val>
+                                            <p:strVal val="#ppt_x"/>
+                                          </p:val>
+                                        </p:tav>
+                                        <p:tav tm="100000">
+                                          <p:val>
+                                            <p:strVal val="#ppt_x"/>
+                                          </p:val>
+                                        </p:tav>
+                                      </p:tavLst>
+                                    </p:anim>
+                                    <p:anim calcmode="lin" valueType="num">
+                                      <p:cBhvr additive="base">
+                                        <p:cTn id="32" dur="500" fill="hold"/>
+                                        <p:tgtEl>
+                                          <p:spTgt spid="3">
+                                            <p:txEl>
+                                              <p:pRg st="5" end="5"/>
+                                            </p:txEl>
+                                          </p:spTgt>
+                                        </p:tgtEl>
+                                        <p:attrNameLst>
+                                          <p:attrName>ppt_y</p:attrName>
+                                        </p:attrNameLst>
+                                      </p:cBhvr>
+                                      <p:tavLst>
+                                        <p:tav tm="0">
+                                          <p:val>
+                                            <p:strVal val="1+#ppt_h/2"/>
+                                          </p:val>
+                                        </p:tav>
+                                        <p:tav tm="100000">
+                                          <p:val>
+                                            <p:strVal val="#ppt_y"/>
+                                          </p:val>
+                                        </p:tav>
+                                      </p:tavLst>
+                                    </p:anim>
+                                  </p:childTnLst>
+                                </p:cTn>
+                              </p:par>
+                            </p:childTnLst>
+                          </p:cTn>
+                        </p:par>
+                      </p:childTnLst>
+                    </p:cTn>
+                  </p:par>
+                  <p:par>
+                    <p:cTn id="33" fill="hold">
+                      <p:stCondLst>
+                        <p:cond delay="indefinite"/>
+                      </p:stCondLst>
+                      <p:childTnLst>
+                        <p:par>
+                          <p:cTn id="34" fill="hold">
+                            <p:stCondLst>
+                              <p:cond delay="0"/>
+                            </p:stCondLst>
+                            <p:childTnLst>
+                              <p:par>
+                                <p:cTn id="35" presetID="2" presetClass="entr" presetSubtype="4" fill="hold" nodeType="clickEffect">
+                                  <p:stCondLst>
+                                    <p:cond delay="0"/>
+                                  </p:stCondLst>
+                                  <p:childTnLst>
+                                    <p:set>
+                                      <p:cBhvr>
+                                        <p:cTn id="36" dur="1" fill="hold">
+                                          <p:stCondLst>
+                                            <p:cond delay="0"/>
+                                          </p:stCondLst>
+                                        </p:cTn>
+                                        <p:tgtEl>
+                                          <p:spTgt spid="3">
+                                            <p:txEl>
+                                              <p:pRg st="6" end="6"/>
+                                            </p:txEl>
+                                          </p:spTgt>
+                                        </p:tgtEl>
+                                        <p:attrNameLst>
+                                          <p:attrName>style.visibility</p:attrName>
+                                        </p:attrNameLst>
+                                      </p:cBhvr>
+                                      <p:to>
+                                        <p:strVal val="visible"/>
+                                      </p:to>
+                                    </p:set>
+                                    <p:anim calcmode="lin" valueType="num">
+                                      <p:cBhvr additive="base">
+                                        <p:cTn id="37" dur="500" fill="hold"/>
+                                        <p:tgtEl>
+                                          <p:spTgt spid="3">
+                                            <p:txEl>
+                                              <p:pRg st="6" end="6"/>
+                                            </p:txEl>
+                                          </p:spTgt>
+                                        </p:tgtEl>
+                                        <p:attrNameLst>
+                                          <p:attrName>ppt_x</p:attrName>
+                                        </p:attrNameLst>
+                                      </p:cBhvr>
+                                      <p:tavLst>
+                                        <p:tav tm="0">
+                                          <p:val>
+                                            <p:strVal val="#ppt_x"/>
+                                          </p:val>
+                                        </p:tav>
+                                        <p:tav tm="100000">
+                                          <p:val>
+                                            <p:strVal val="#ppt_x"/>
+                                          </p:val>
+                                        </p:tav>
+                                      </p:tavLst>
+                                    </p:anim>
+                                    <p:anim calcmode="lin" valueType="num">
+                                      <p:cBhvr additive="base">
+                                        <p:cTn id="38" dur="500" fill="hold"/>
+                                        <p:tgtEl>
+                                          <p:spTgt spid="3">
+                                            <p:txEl>
+                                              <p:pRg st="6" end="6"/>
+                                            </p:txEl>
+                                          </p:spTgt>
+                                        </p:tgtEl>
+                                        <p:attrNameLst>
+                                          <p:attrName>ppt_y</p:attrName>
+                                        </p:attrNameLst>
+                                      </p:cBhvr>
+                                      <p:tavLst>
+                                        <p:tav tm="0">
+                                          <p:val>
+                                            <p:strVal val="1+#ppt_h/2"/>
+                                          </p:val>
+                                        </p:tav>
+                                        <p:tav tm="100000">
+                                          <p:val>
+                                            <p:strVal val="#ppt_y"/>
+                                          </p:val>
+                                        </p:tav>
+                                      </p:tavLst>
+                                    </p:anim>
+                                  </p:childTnLst>
+                                </p:cTn>
+                              </p:par>
+                            </p:childTnLst>
+                          </p:cTn>
+                        </p:par>
+                      </p:childTnLst>
+                    </p:cTn>
+                  </p:par>
+                  <p:par>
+                    <p:cTn id="39" fill="hold">
+                      <p:stCondLst>
+                        <p:cond delay="indefinite"/>
+                      </p:stCondLst>
+                      <p:childTnLst>
+                        <p:par>
+                          <p:cTn id="40" fill="hold">
+                            <p:stCondLst>
+                              <p:cond delay="0"/>
+                            </p:stCondLst>
+                            <p:childTnLst>
+                              <p:par>
+                                <p:cTn id="41" presetID="2" presetClass="entr" presetSubtype="4" fill="hold" nodeType="clickEffect">
+                                  <p:stCondLst>
+                                    <p:cond delay="0"/>
+                                  </p:stCondLst>
+                                  <p:childTnLst>
+                                    <p:set>
+                                      <p:cBhvr>
+                                        <p:cTn id="42" dur="1" fill="hold">
+                                          <p:stCondLst>
+                                            <p:cond delay="0"/>
+                                          </p:stCondLst>
+                                        </p:cTn>
+                                        <p:tgtEl>
+                                          <p:spTgt spid="3">
+                                            <p:txEl>
+                                              <p:pRg st="7" end="7"/>
+                                            </p:txEl>
+                                          </p:spTgt>
+                                        </p:tgtEl>
+                                        <p:attrNameLst>
+                                          <p:attrName>style.visibility</p:attrName>
+                                        </p:attrNameLst>
+                                      </p:cBhvr>
+                                      <p:to>
+                                        <p:strVal val="visible"/>
+                                      </p:to>
+                                    </p:set>
+                                    <p:anim calcmode="lin" valueType="num">
+                                      <p:cBhvr additive="base">
+                                        <p:cTn id="43" dur="500" fill="hold"/>
+                                        <p:tgtEl>
+                                          <p:spTgt spid="3">
+                                            <p:txEl>
+                                              <p:pRg st="7" end="7"/>
+                                            </p:txEl>
+                                          </p:spTgt>
+                                        </p:tgtEl>
+                                        <p:attrNameLst>
+                                          <p:attrName>ppt_x</p:attrName>
+                                        </p:attrNameLst>
+                                      </p:cBhvr>
+                                      <p:tavLst>
+                                        <p:tav tm="0">
+                                          <p:val>
+                                            <p:strVal val="#ppt_x"/>
+                                          </p:val>
+                                        </p:tav>
+                                        <p:tav tm="100000">
+                                          <p:val>
+                                            <p:strVal val="#ppt_x"/>
+                                          </p:val>
+                                        </p:tav>
+                                      </p:tavLst>
+                                    </p:anim>
+                                    <p:anim calcmode="lin" valueType="num">
+                                      <p:cBhvr additive="base">
+                                        <p:cTn id="44" dur="500" fill="hold"/>
+                                        <p:tgtEl>
+                                          <p:spTgt spid="3">
+                                            <p:txEl>
+                                              <p:pRg st="7" end="7"/>
+                                            </p:txEl>
+                                          </p:spTgt>
+                                        </p:tgtEl>
+                                        <p:attrNameLst>
+                                          <p:attrName>ppt_y</p:attrName>
+                                        </p:attrNameLst>
+                                      </p:cBhvr>
+                                      <p:tavLst>
+                                        <p:tav tm="0">
+                                          <p:val>
+                                            <p:strVal val="1+#ppt_h/2"/>
+                                          </p:val>
+                                        </p:tav>
+                                        <p:tav tm="100000">
+                                          <p:val>
+                                            <p:strVal val="#ppt_y"/>
+                                          </p:val>
+                                        </p:tav>
+                                      </p:tavLst>
+                                    </p:anim>
+                                  </p:childTnLst>
+                                </p:cTn>
+                              </p:par>
+                            </p:childTnLst>
+                          </p:cTn>
+                        </p:par>
+                      </p:childTnLst>
+                    </p:cTn>
+                  </p:par>
+                  <p:par>
+                    <p:cTn id="45" fill="hold">
+                      <p:stCondLst>
+                        <p:cond delay="indefinite"/>
+                      </p:stCondLst>
+                      <p:childTnLst>
+                        <p:par>
+                          <p:cTn id="46" fill="hold">
+                            <p:stCondLst>
+                              <p:cond delay="0"/>
+                            </p:stCondLst>
+                            <p:childTnLst>
+                              <p:par>
+                                <p:cTn id="47" presetID="2" presetClass="entr" presetSubtype="4" fill="hold" nodeType="clickEffect">
+                                  <p:stCondLst>
+                                    <p:cond delay="0"/>
+                                  </p:stCondLst>
+                                  <p:childTnLst>
+                                    <p:set>
+                                      <p:cBhvr>
+                                        <p:cTn id="48" dur="1" fill="hold">
+                                          <p:stCondLst>
+                                            <p:cond delay="0"/>
+                                          </p:stCondLst>
+                                        </p:cTn>
+                                        <p:tgtEl>
+                                          <p:spTgt spid="3">
+                                            <p:txEl>
+                                              <p:pRg st="8" end="8"/>
+                                            </p:txEl>
+                                          </p:spTgt>
+                                        </p:tgtEl>
+                                        <p:attrNameLst>
+                                          <p:attrName>style.visibility</p:attrName>
+                                        </p:attrNameLst>
+                                      </p:cBhvr>
+                                      <p:to>
+                                        <p:strVal val="visible"/>
+                                      </p:to>
+                                    </p:set>
+                                    <p:anim calcmode="lin" valueType="num">
+                                      <p:cBhvr additive="base">
+                                        <p:cTn id="49" dur="500" fill="hold"/>
+                                        <p:tgtEl>
+                                          <p:spTgt spid="3">
+                                            <p:txEl>
+                                              <p:pRg st="8" end="8"/>
+                                            </p:txEl>
+                                          </p:spTgt>
+                                        </p:tgtEl>
+                                        <p:attrNameLst>
+                                          <p:attrName>ppt_x</p:attrName>
+                                        </p:attrNameLst>
+                                      </p:cBhvr>
+                                      <p:tavLst>
+                                        <p:tav tm="0">
+                                          <p:val>
+                                            <p:strVal val="#ppt_x"/>
+                                          </p:val>
+                                        </p:tav>
+                                        <p:tav tm="100000">
+                                          <p:val>
+                                            <p:strVal val="#ppt_x"/>
+                                          </p:val>
+                                        </p:tav>
+                                      </p:tavLst>
+                                    </p:anim>
+                                    <p:anim calcmode="lin" valueType="num">
+                                      <p:cBhvr additive="base">
+                                        <p:cTn id="50" dur="500" fill="hold"/>
+                                        <p:tgtEl>
+                                          <p:spTgt spid="3">
+                                            <p:txEl>
+                                              <p:pRg st="8" end="8"/>
+                                            </p:txEl>
+                                          </p:spTgt>
+                                        </p:tgtEl>
+                                        <p:attrNameLst>
+                                          <p:attrName>ppt_y</p:attrName>
+                                        </p:attrNameLst>
+                                      </p:cBhvr>
+                                      <p:tavLst>
+                                        <p:tav tm="0">
+                                          <p:val>
+                                            <p:strVal val="1+#ppt_h/2"/>
+                                          </p:val>
+                                        </p:tav>
+                                        <p:tav tm="100000">
+                                          <p:val>
+                                            <p:strVal val="#ppt_y"/>
+                                          </p:val>
+                                        </p:tav>
+                                      </p:tavLst>
+                                    </p:anim>
+                                  </p:childTnLst>
+                                </p:cTn>
+                              </p:par>
+                            </p:childTnLst>
+                          </p:cTn>
+                        </p:par>
+                      </p:childTnLst>
+                    </p:cTn>
+                  </p:par>
+                  <p:par>
+                    <p:cTn id="51" fill="hold">
+                      <p:stCondLst>
+                        <p:cond delay="indefinite"/>
+                      </p:stCondLst>
+                      <p:childTnLst>
+                        <p:par>
+                          <p:cTn id="52" fill="hold">
+                            <p:stCondLst>
+                              <p:cond delay="0"/>
+                            </p:stCondLst>
+                            <p:childTnLst>
+                              <p:par>
+                                <p:cTn id="53" presetID="2" presetClass="entr" presetSubtype="4" fill="hold" nodeType="clickEffect">
+                                  <p:stCondLst>
+                                    <p:cond delay="0"/>
+                                  </p:stCondLst>
+                                  <p:childTnLst>
+                                    <p:set>
+                                      <p:cBhvr>
+                                        <p:cTn id="54" dur="1" fill="hold">
+                                          <p:stCondLst>
+                                            <p:cond delay="0"/>
+                                          </p:stCondLst>
+                                        </p:cTn>
+                                        <p:tgtEl>
+                                          <p:spTgt spid="3">
+                                            <p:txEl>
+                                              <p:pRg st="9" end="9"/>
+                                            </p:txEl>
+                                          </p:spTgt>
+                                        </p:tgtEl>
+                                        <p:attrNameLst>
+                                          <p:attrName>style.visibility</p:attrName>
+                                        </p:attrNameLst>
+                                      </p:cBhvr>
+                                      <p:to>
+                                        <p:strVal val="visible"/>
+                                      </p:to>
+                                    </p:set>
+                                    <p:anim calcmode="lin" valueType="num">
+                                      <p:cBhvr additive="base">
+                                        <p:cTn id="55" dur="500" fill="hold"/>
+                                        <p:tgtEl>
+                                          <p:spTgt spid="3">
+                                            <p:txEl>
+                                              <p:pRg st="9" end="9"/>
+                                            </p:txEl>
+                                          </p:spTgt>
+                                        </p:tgtEl>
+                                        <p:attrNameLst>
+                                          <p:attrName>ppt_x</p:attrName>
+                                        </p:attrNameLst>
+                                      </p:cBhvr>
+                                      <p:tavLst>
+                                        <p:tav tm="0">
+                                          <p:val>
+                                            <p:strVal val="#ppt_x"/>
+                                          </p:val>
+                                        </p:tav>
+                                        <p:tav tm="100000">
+                                          <p:val>
+                                            <p:strVal val="#ppt_x"/>
+                                          </p:val>
+                                        </p:tav>
+                                      </p:tavLst>
+                                    </p:anim>
+                                    <p:anim calcmode="lin" valueType="num">
+                                      <p:cBhvr additive="base">
+                                        <p:cTn id="56" dur="500" fill="hold"/>
+                                        <p:tgtEl>
+                                          <p:spTgt spid="3">
+                                            <p:txEl>
+                                              <p:pRg st="9" end="9"/>
+                                            </p:txEl>
+                                          </p:spTgt>
+                                        </p:tgtEl>
+                                        <p:attrNameLst>
+                                          <p:attrName>ppt_y</p:attrName>
+                                        </p:attrNameLst>
+                                      </p:cBhvr>
+                                      <p:tavLst>
+                                        <p:tav tm="0">
+                                          <p:val>
+                                            <p:strVal val="1+#ppt_h/2"/>
+                                          </p:val>
+                                        </p:tav>
+                                        <p:tav tm="100000">
+                                          <p:val>
+                                            <p:strVal val="#ppt_y"/>
+                                          </p:val>
+                                        </p:tav>
+                                      </p:tavLst>
+                                    </p:anim>
+                                  </p:childTnLst>
+                                </p:cTn>
+                              </p:par>
+                            </p:childTnLst>
+                          </p:cTn>
+                        </p:par>
+                      </p:childTnLst>
+                    </p:cTn>
+                  </p:par>
+                  <p:par>
+                    <p:cTn id="57" fill="hold">
+                      <p:stCondLst>
+                        <p:cond delay="indefinite"/>
+                      </p:stCondLst>
+                      <p:childTnLst>
+                        <p:par>
+                          <p:cTn id="58" fill="hold">
+                            <p:stCondLst>
+                              <p:cond delay="0"/>
+                            </p:stCondLst>
+                            <p:childTnLst>
+                              <p:par>
+                                <p:cTn id="59" presetID="2" presetClass="entr" presetSubtype="4" fill="hold" nodeType="clickEffect">
+                                  <p:stCondLst>
+                                    <p:cond delay="0"/>
+                                  </p:stCondLst>
+                                  <p:childTnLst>
+                                    <p:set>
+                                      <p:cBhvr>
+                                        <p:cTn id="60" dur="1" fill="hold">
+                                          <p:stCondLst>
+                                            <p:cond delay="0"/>
+                                          </p:stCondLst>
+                                        </p:cTn>
+                                        <p:tgtEl>
+                                          <p:spTgt spid="3">
+                                            <p:txEl>
+                                              <p:pRg st="10" end="10"/>
+                                            </p:txEl>
+                                          </p:spTgt>
+                                        </p:tgtEl>
+                                        <p:attrNameLst>
+                                          <p:attrName>style.visibility</p:attrName>
+                                        </p:attrNameLst>
+                                      </p:cBhvr>
+                                      <p:to>
+                                        <p:strVal val="visible"/>
+                                      </p:to>
+                                    </p:set>
+                                    <p:anim calcmode="lin" valueType="num">
+                                      <p:cBhvr additive="base">
+                                        <p:cTn id="61" dur="500" fill="hold"/>
+                                        <p:tgtEl>
+                                          <p:spTgt spid="3">
+                                            <p:txEl>
+                                              <p:pRg st="10" end="10"/>
+                                            </p:txEl>
+                                          </p:spTgt>
+                                        </p:tgtEl>
+                                        <p:attrNameLst>
+                                          <p:attrName>ppt_x</p:attrName>
+                                        </p:attrNameLst>
+                                      </p:cBhvr>
+                                      <p:tavLst>
+                                        <p:tav tm="0">
+                                          <p:val>
+                                            <p:strVal val="#ppt_x"/>
+                                          </p:val>
+                                        </p:tav>
+                                        <p:tav tm="100000">
+                                          <p:val>
+                                            <p:strVal val="#ppt_x"/>
+                                          </p:val>
+                                        </p:tav>
+                                      </p:tavLst>
+                                    </p:anim>
+                                    <p:anim calcmode="lin" valueType="num">
+                                      <p:cBhvr additive="base">
+                                        <p:cTn id="62" dur="500" fill="hold"/>
+                                        <p:tgtEl>
+                                          <p:spTgt spid="3">
+                                            <p:txEl>
+                                              <p:pRg st="10" end="10"/>
+                                            </p:txEl>
+                                          </p:spTgt>
+                                        </p:tgtEl>
+                                        <p:attrNameLst>
+                                          <p:attrName>ppt_y</p:attrName>
+                                        </p:attrNameLst>
+                                      </p:cBhvr>
+                                      <p:tavLst>
+                                        <p:tav tm="0">
+                                          <p:val>
+                                            <p:strVal val="1+#ppt_h/2"/>
+                                          </p:val>
+                                        </p:tav>
+                                        <p:tav tm="100000">
+                                          <p:val>
+                                            <p:strVal val="#ppt_y"/>
+                                          </p:val>
+                                        </p:tav>
+                                      </p:tavLst>
+                                    </p:anim>
+                                  </p:childTnLst>
+                                </p:cTn>
+                              </p:par>
+                            </p:childTnLst>
+                          </p:cTn>
+                        </p:par>
+                      </p:childTnLst>
+                    </p:cTn>
+                  </p:par>
+                </p:childTnLst>
+              </p:cTn>
+              <p:prevCondLst>
+                <p:cond evt="onPrev" delay="0">
+                  <p:tgtEl>
+                    <p:sldTgt/>
+                  </p:tgtEl>
+                </p:cond>
+              </p:prevCondLst>
+              <p:nextCondLst>
+                <p:cond evt="onNext" delay="0">
+                  <p:tgtEl>
+                    <p:sldTgt/>
+                  </p:tgtEl>
+                </p:cond>
+              </p:nextCondLst>
+            </p:seq>
+          </p:childTnLst>
+        </p:cTn>
+      </p:par>
+    </p:tnLst>
+  </p:timing>
+</p:sld>
+</file>
+
+<file path=ppt/slides/slide9.xml><?xml version="1.0" encoding="utf-8"?>
 <p:sld xmlns:a="http://schemas.openxmlformats.org/drawingml/2006/main" xmlns:r="http://schemas.openxmlformats.org/officeDocument/2006/relationships" xmlns:p="http://schemas.openxmlformats.org/presentationml/2006/main">
   <p:cSld>
     <p:spTree>
